--- a/ppt 16-9/1087.主爱的搀扶.pptx
+++ b/ppt 16-9/1087.主爱的搀扶.pptx
@@ -129,7 +129,7 @@
           <p:cNvPr id="2" name="标题 1">
             <a:extLst>
               <a:ext uri="{FF2B5EF4-FFF2-40B4-BE49-F238E27FC236}">
-                <a16:creationId xmlns:a16="http://schemas.microsoft.com/office/drawing/2014/main" id="{B22C5C15-4907-8776-67A9-79107F4BAECE}"/>
+                <a16:creationId xmlns:a16="http://schemas.microsoft.com/office/drawing/2014/main" id="{904BC07F-9AEE-228A-293A-E93A8B9048F5}"/>
               </a:ext>
             </a:extLst>
           </p:cNvPr>
@@ -166,7 +166,7 @@
           <p:cNvPr id="3" name="副标题 2">
             <a:extLst>
               <a:ext uri="{FF2B5EF4-FFF2-40B4-BE49-F238E27FC236}">
-                <a16:creationId xmlns:a16="http://schemas.microsoft.com/office/drawing/2014/main" id="{8BDE9B16-B8FE-23A7-42A0-0EC15E587285}"/>
+                <a16:creationId xmlns:a16="http://schemas.microsoft.com/office/drawing/2014/main" id="{E46218BC-3087-A844-9B2B-6B0F53B38B94}"/>
               </a:ext>
             </a:extLst>
           </p:cNvPr>
@@ -236,7 +236,7 @@
           <p:cNvPr id="4" name="日期占位符 3">
             <a:extLst>
               <a:ext uri="{FF2B5EF4-FFF2-40B4-BE49-F238E27FC236}">
-                <a16:creationId xmlns:a16="http://schemas.microsoft.com/office/drawing/2014/main" id="{AA746D61-B7DC-0F43-3D0F-7BFD370C4835}"/>
+                <a16:creationId xmlns:a16="http://schemas.microsoft.com/office/drawing/2014/main" id="{12A54DFB-FF21-E96D-C32A-34713AC2F2E8}"/>
               </a:ext>
             </a:extLst>
           </p:cNvPr>
@@ -252,7 +252,7 @@
           <a:bodyPr/>
           <a:lstStyle/>
           <a:p>
-            <a:fld id="{C88AC6CE-A182-4073-A6E3-221A6811D6FA}" type="datetimeFigureOut">
+            <a:fld id="{B74A6EA0-8BE5-4ABA-9143-0DE8762A1979}" type="datetimeFigureOut">
               <a:rPr lang="zh-CN" altLang="en-US" smtClean="0"/>
               <a:t>2024/3/10</a:t>
             </a:fld>
@@ -265,7 +265,7 @@
           <p:cNvPr id="5" name="页脚占位符 4">
             <a:extLst>
               <a:ext uri="{FF2B5EF4-FFF2-40B4-BE49-F238E27FC236}">
-                <a16:creationId xmlns:a16="http://schemas.microsoft.com/office/drawing/2014/main" id="{2F31BFF5-9230-E300-B0A6-31F8706361E4}"/>
+                <a16:creationId xmlns:a16="http://schemas.microsoft.com/office/drawing/2014/main" id="{617FD50E-0E84-ACAA-2EB4-1B15B6516B12}"/>
               </a:ext>
             </a:extLst>
           </p:cNvPr>
@@ -290,7 +290,7 @@
           <p:cNvPr id="6" name="灯片编号占位符 5">
             <a:extLst>
               <a:ext uri="{FF2B5EF4-FFF2-40B4-BE49-F238E27FC236}">
-                <a16:creationId xmlns:a16="http://schemas.microsoft.com/office/drawing/2014/main" id="{2336FF96-5CF1-9AAA-955D-AE353D5BF155}"/>
+                <a16:creationId xmlns:a16="http://schemas.microsoft.com/office/drawing/2014/main" id="{0B81E78E-15B7-943F-5222-E9BD8B0F5666}"/>
               </a:ext>
             </a:extLst>
           </p:cNvPr>
@@ -306,7 +306,7 @@
           <a:bodyPr/>
           <a:lstStyle/>
           <a:p>
-            <a:fld id="{499A50D3-6847-40F4-9518-6FBDE849D6F0}" type="slidenum">
+            <a:fld id="{5C1649F6-475F-411B-9A98-F02DD9EAAF6A}" type="slidenum">
               <a:rPr lang="zh-CN" altLang="en-US" smtClean="0"/>
               <a:t>‹#›</a:t>
             </a:fld>
@@ -317,7 +317,7 @@
     </p:spTree>
     <p:extLst>
       <p:ext uri="{BB962C8B-B14F-4D97-AF65-F5344CB8AC3E}">
-        <p14:creationId xmlns:p14="http://schemas.microsoft.com/office/powerpoint/2010/main" val="3177133764"/>
+        <p14:creationId xmlns:p14="http://schemas.microsoft.com/office/powerpoint/2010/main" val="385619663"/>
       </p:ext>
     </p:extLst>
   </p:cSld>
@@ -349,7 +349,7 @@
           <p:cNvPr id="2" name="标题 1">
             <a:extLst>
               <a:ext uri="{FF2B5EF4-FFF2-40B4-BE49-F238E27FC236}">
-                <a16:creationId xmlns:a16="http://schemas.microsoft.com/office/drawing/2014/main" id="{2CE2226E-41AC-492A-6345-995C20B45FA5}"/>
+                <a16:creationId xmlns:a16="http://schemas.microsoft.com/office/drawing/2014/main" id="{F1710AFF-FB2D-0E09-7DB1-2D705AF9DD6F}"/>
               </a:ext>
             </a:extLst>
           </p:cNvPr>
@@ -377,7 +377,7 @@
           <p:cNvPr id="3" name="竖排文字占位符 2">
             <a:extLst>
               <a:ext uri="{FF2B5EF4-FFF2-40B4-BE49-F238E27FC236}">
-                <a16:creationId xmlns:a16="http://schemas.microsoft.com/office/drawing/2014/main" id="{ED8A956E-2552-F2EB-6EA4-93C8BF8F954D}"/>
+                <a16:creationId xmlns:a16="http://schemas.microsoft.com/office/drawing/2014/main" id="{A5A148B1-E205-1082-028C-0BBABF8B3132}"/>
               </a:ext>
             </a:extLst>
           </p:cNvPr>
@@ -434,7 +434,7 @@
           <p:cNvPr id="4" name="日期占位符 3">
             <a:extLst>
               <a:ext uri="{FF2B5EF4-FFF2-40B4-BE49-F238E27FC236}">
-                <a16:creationId xmlns:a16="http://schemas.microsoft.com/office/drawing/2014/main" id="{E3AF5F36-A405-9FA6-2604-746D61DE5BAD}"/>
+                <a16:creationId xmlns:a16="http://schemas.microsoft.com/office/drawing/2014/main" id="{23CB2989-F8B2-B0C6-6A48-AA1EA9DC0427}"/>
               </a:ext>
             </a:extLst>
           </p:cNvPr>
@@ -450,7 +450,7 @@
           <a:bodyPr/>
           <a:lstStyle/>
           <a:p>
-            <a:fld id="{C88AC6CE-A182-4073-A6E3-221A6811D6FA}" type="datetimeFigureOut">
+            <a:fld id="{B74A6EA0-8BE5-4ABA-9143-0DE8762A1979}" type="datetimeFigureOut">
               <a:rPr lang="zh-CN" altLang="en-US" smtClean="0"/>
               <a:t>2024/3/10</a:t>
             </a:fld>
@@ -463,7 +463,7 @@
           <p:cNvPr id="5" name="页脚占位符 4">
             <a:extLst>
               <a:ext uri="{FF2B5EF4-FFF2-40B4-BE49-F238E27FC236}">
-                <a16:creationId xmlns:a16="http://schemas.microsoft.com/office/drawing/2014/main" id="{D60DE636-7723-04A7-E393-0425F95CF05F}"/>
+                <a16:creationId xmlns:a16="http://schemas.microsoft.com/office/drawing/2014/main" id="{6B0DFF44-75C3-2E22-8622-08BB762BE303}"/>
               </a:ext>
             </a:extLst>
           </p:cNvPr>
@@ -488,7 +488,7 @@
           <p:cNvPr id="6" name="灯片编号占位符 5">
             <a:extLst>
               <a:ext uri="{FF2B5EF4-FFF2-40B4-BE49-F238E27FC236}">
-                <a16:creationId xmlns:a16="http://schemas.microsoft.com/office/drawing/2014/main" id="{9646492C-0196-9AC4-A666-FAD59405165D}"/>
+                <a16:creationId xmlns:a16="http://schemas.microsoft.com/office/drawing/2014/main" id="{2CA592EA-65F0-71D1-7C3B-8DC44589B8F7}"/>
               </a:ext>
             </a:extLst>
           </p:cNvPr>
@@ -504,7 +504,7 @@
           <a:bodyPr/>
           <a:lstStyle/>
           <a:p>
-            <a:fld id="{499A50D3-6847-40F4-9518-6FBDE849D6F0}" type="slidenum">
+            <a:fld id="{5C1649F6-475F-411B-9A98-F02DD9EAAF6A}" type="slidenum">
               <a:rPr lang="zh-CN" altLang="en-US" smtClean="0"/>
               <a:t>‹#›</a:t>
             </a:fld>
@@ -515,7 +515,7 @@
     </p:spTree>
     <p:extLst>
       <p:ext uri="{BB962C8B-B14F-4D97-AF65-F5344CB8AC3E}">
-        <p14:creationId xmlns:p14="http://schemas.microsoft.com/office/powerpoint/2010/main" val="217863387"/>
+        <p14:creationId xmlns:p14="http://schemas.microsoft.com/office/powerpoint/2010/main" val="2699510699"/>
       </p:ext>
     </p:extLst>
   </p:cSld>
@@ -547,7 +547,7 @@
           <p:cNvPr id="2" name="竖排标题 1">
             <a:extLst>
               <a:ext uri="{FF2B5EF4-FFF2-40B4-BE49-F238E27FC236}">
-                <a16:creationId xmlns:a16="http://schemas.microsoft.com/office/drawing/2014/main" id="{E2F134A4-3F42-9561-67CE-1559694DE71F}"/>
+                <a16:creationId xmlns:a16="http://schemas.microsoft.com/office/drawing/2014/main" id="{2C25DF88-A43B-F3CB-1FCC-802E84728080}"/>
               </a:ext>
             </a:extLst>
           </p:cNvPr>
@@ -580,7 +580,7 @@
           <p:cNvPr id="3" name="竖排文字占位符 2">
             <a:extLst>
               <a:ext uri="{FF2B5EF4-FFF2-40B4-BE49-F238E27FC236}">
-                <a16:creationId xmlns:a16="http://schemas.microsoft.com/office/drawing/2014/main" id="{2BF01C17-7328-2579-E8F6-B54B4E2C69F0}"/>
+                <a16:creationId xmlns:a16="http://schemas.microsoft.com/office/drawing/2014/main" id="{34F00245-2360-8CAF-475D-A95038A43B90}"/>
               </a:ext>
             </a:extLst>
           </p:cNvPr>
@@ -642,7 +642,7 @@
           <p:cNvPr id="4" name="日期占位符 3">
             <a:extLst>
               <a:ext uri="{FF2B5EF4-FFF2-40B4-BE49-F238E27FC236}">
-                <a16:creationId xmlns:a16="http://schemas.microsoft.com/office/drawing/2014/main" id="{BAD3AF0F-384C-CD85-3BB1-24D39E693585}"/>
+                <a16:creationId xmlns:a16="http://schemas.microsoft.com/office/drawing/2014/main" id="{B405DF84-3B9D-5840-69E1-EFF33DBEC8D5}"/>
               </a:ext>
             </a:extLst>
           </p:cNvPr>
@@ -658,7 +658,7 @@
           <a:bodyPr/>
           <a:lstStyle/>
           <a:p>
-            <a:fld id="{C88AC6CE-A182-4073-A6E3-221A6811D6FA}" type="datetimeFigureOut">
+            <a:fld id="{B74A6EA0-8BE5-4ABA-9143-0DE8762A1979}" type="datetimeFigureOut">
               <a:rPr lang="zh-CN" altLang="en-US" smtClean="0"/>
               <a:t>2024/3/10</a:t>
             </a:fld>
@@ -671,7 +671,7 @@
           <p:cNvPr id="5" name="页脚占位符 4">
             <a:extLst>
               <a:ext uri="{FF2B5EF4-FFF2-40B4-BE49-F238E27FC236}">
-                <a16:creationId xmlns:a16="http://schemas.microsoft.com/office/drawing/2014/main" id="{F7278473-AA37-150F-B310-3F19EC8DCF5E}"/>
+                <a16:creationId xmlns:a16="http://schemas.microsoft.com/office/drawing/2014/main" id="{8A9F7740-0F59-614B-6816-C4F81CF70849}"/>
               </a:ext>
             </a:extLst>
           </p:cNvPr>
@@ -696,7 +696,7 @@
           <p:cNvPr id="6" name="灯片编号占位符 5">
             <a:extLst>
               <a:ext uri="{FF2B5EF4-FFF2-40B4-BE49-F238E27FC236}">
-                <a16:creationId xmlns:a16="http://schemas.microsoft.com/office/drawing/2014/main" id="{A5453366-B43A-EA93-FF17-5457C248538F}"/>
+                <a16:creationId xmlns:a16="http://schemas.microsoft.com/office/drawing/2014/main" id="{E8885D05-730F-C964-277D-2979A63A780E}"/>
               </a:ext>
             </a:extLst>
           </p:cNvPr>
@@ -712,7 +712,7 @@
           <a:bodyPr/>
           <a:lstStyle/>
           <a:p>
-            <a:fld id="{499A50D3-6847-40F4-9518-6FBDE849D6F0}" type="slidenum">
+            <a:fld id="{5C1649F6-475F-411B-9A98-F02DD9EAAF6A}" type="slidenum">
               <a:rPr lang="zh-CN" altLang="en-US" smtClean="0"/>
               <a:t>‹#›</a:t>
             </a:fld>
@@ -723,7 +723,7 @@
     </p:spTree>
     <p:extLst>
       <p:ext uri="{BB962C8B-B14F-4D97-AF65-F5344CB8AC3E}">
-        <p14:creationId xmlns:p14="http://schemas.microsoft.com/office/powerpoint/2010/main" val="2728300137"/>
+        <p14:creationId xmlns:p14="http://schemas.microsoft.com/office/powerpoint/2010/main" val="2367364692"/>
       </p:ext>
     </p:extLst>
   </p:cSld>
@@ -755,7 +755,7 @@
           <p:cNvPr id="2" name="标题 1">
             <a:extLst>
               <a:ext uri="{FF2B5EF4-FFF2-40B4-BE49-F238E27FC236}">
-                <a16:creationId xmlns:a16="http://schemas.microsoft.com/office/drawing/2014/main" id="{B76BC68C-B7B4-E43F-00E1-62E01E65C380}"/>
+                <a16:creationId xmlns:a16="http://schemas.microsoft.com/office/drawing/2014/main" id="{7DBA2CEE-A349-5D7C-62A4-0C365CC47E53}"/>
               </a:ext>
             </a:extLst>
           </p:cNvPr>
@@ -783,7 +783,7 @@
           <p:cNvPr id="3" name="内容占位符 2">
             <a:extLst>
               <a:ext uri="{FF2B5EF4-FFF2-40B4-BE49-F238E27FC236}">
-                <a16:creationId xmlns:a16="http://schemas.microsoft.com/office/drawing/2014/main" id="{BE80DB36-CDD4-748A-1A13-A4EEDD91476E}"/>
+                <a16:creationId xmlns:a16="http://schemas.microsoft.com/office/drawing/2014/main" id="{1443D2EB-EF3B-D2E5-1FC4-E915371CE938}"/>
               </a:ext>
             </a:extLst>
           </p:cNvPr>
@@ -840,7 +840,7 @@
           <p:cNvPr id="4" name="日期占位符 3">
             <a:extLst>
               <a:ext uri="{FF2B5EF4-FFF2-40B4-BE49-F238E27FC236}">
-                <a16:creationId xmlns:a16="http://schemas.microsoft.com/office/drawing/2014/main" id="{3FD7311C-8785-3002-48AF-A779C75E0C45}"/>
+                <a16:creationId xmlns:a16="http://schemas.microsoft.com/office/drawing/2014/main" id="{ADFF244A-5DD2-2096-BFA3-EADEBD4A3BFE}"/>
               </a:ext>
             </a:extLst>
           </p:cNvPr>
@@ -856,7 +856,7 @@
           <a:bodyPr/>
           <a:lstStyle/>
           <a:p>
-            <a:fld id="{C88AC6CE-A182-4073-A6E3-221A6811D6FA}" type="datetimeFigureOut">
+            <a:fld id="{B74A6EA0-8BE5-4ABA-9143-0DE8762A1979}" type="datetimeFigureOut">
               <a:rPr lang="zh-CN" altLang="en-US" smtClean="0"/>
               <a:t>2024/3/10</a:t>
             </a:fld>
@@ -869,7 +869,7 @@
           <p:cNvPr id="5" name="页脚占位符 4">
             <a:extLst>
               <a:ext uri="{FF2B5EF4-FFF2-40B4-BE49-F238E27FC236}">
-                <a16:creationId xmlns:a16="http://schemas.microsoft.com/office/drawing/2014/main" id="{21613516-E8DC-55D1-49C1-AE60F0E63AA9}"/>
+                <a16:creationId xmlns:a16="http://schemas.microsoft.com/office/drawing/2014/main" id="{43730DEA-6CBB-BBAC-8C38-7779D7B83807}"/>
               </a:ext>
             </a:extLst>
           </p:cNvPr>
@@ -894,7 +894,7 @@
           <p:cNvPr id="6" name="灯片编号占位符 5">
             <a:extLst>
               <a:ext uri="{FF2B5EF4-FFF2-40B4-BE49-F238E27FC236}">
-                <a16:creationId xmlns:a16="http://schemas.microsoft.com/office/drawing/2014/main" id="{636080F1-CBB4-C59C-9B03-D14B1F5305DC}"/>
+                <a16:creationId xmlns:a16="http://schemas.microsoft.com/office/drawing/2014/main" id="{AEC12962-2436-854B-1FCC-D27B54A13C59}"/>
               </a:ext>
             </a:extLst>
           </p:cNvPr>
@@ -910,7 +910,7 @@
           <a:bodyPr/>
           <a:lstStyle/>
           <a:p>
-            <a:fld id="{499A50D3-6847-40F4-9518-6FBDE849D6F0}" type="slidenum">
+            <a:fld id="{5C1649F6-475F-411B-9A98-F02DD9EAAF6A}" type="slidenum">
               <a:rPr lang="zh-CN" altLang="en-US" smtClean="0"/>
               <a:t>‹#›</a:t>
             </a:fld>
@@ -921,7 +921,7 @@
     </p:spTree>
     <p:extLst>
       <p:ext uri="{BB962C8B-B14F-4D97-AF65-F5344CB8AC3E}">
-        <p14:creationId xmlns:p14="http://schemas.microsoft.com/office/powerpoint/2010/main" val="1484257950"/>
+        <p14:creationId xmlns:p14="http://schemas.microsoft.com/office/powerpoint/2010/main" val="3314865260"/>
       </p:ext>
     </p:extLst>
   </p:cSld>
@@ -953,7 +953,7 @@
           <p:cNvPr id="2" name="标题 1">
             <a:extLst>
               <a:ext uri="{FF2B5EF4-FFF2-40B4-BE49-F238E27FC236}">
-                <a16:creationId xmlns:a16="http://schemas.microsoft.com/office/drawing/2014/main" id="{585DD4DD-5B59-B9AD-8AA7-864042D42846}"/>
+                <a16:creationId xmlns:a16="http://schemas.microsoft.com/office/drawing/2014/main" id="{1DCF2295-90FE-5A95-A733-8F8D03CED395}"/>
               </a:ext>
             </a:extLst>
           </p:cNvPr>
@@ -990,7 +990,7 @@
           <p:cNvPr id="3" name="文本占位符 2">
             <a:extLst>
               <a:ext uri="{FF2B5EF4-FFF2-40B4-BE49-F238E27FC236}">
-                <a16:creationId xmlns:a16="http://schemas.microsoft.com/office/drawing/2014/main" id="{388401A6-AA58-9A07-06CD-A6105E92AE0C}"/>
+                <a16:creationId xmlns:a16="http://schemas.microsoft.com/office/drawing/2014/main" id="{ED6933AD-DAC6-821E-081B-2264095A1DE6}"/>
               </a:ext>
             </a:extLst>
           </p:cNvPr>
@@ -1115,7 +1115,7 @@
           <p:cNvPr id="4" name="日期占位符 3">
             <a:extLst>
               <a:ext uri="{FF2B5EF4-FFF2-40B4-BE49-F238E27FC236}">
-                <a16:creationId xmlns:a16="http://schemas.microsoft.com/office/drawing/2014/main" id="{A66EC4FB-9B68-BE80-74FD-281987E69F9A}"/>
+                <a16:creationId xmlns:a16="http://schemas.microsoft.com/office/drawing/2014/main" id="{6D8BC78F-0668-3FB2-04BE-232ABBDA1DD9}"/>
               </a:ext>
             </a:extLst>
           </p:cNvPr>
@@ -1131,7 +1131,7 @@
           <a:bodyPr/>
           <a:lstStyle/>
           <a:p>
-            <a:fld id="{C88AC6CE-A182-4073-A6E3-221A6811D6FA}" type="datetimeFigureOut">
+            <a:fld id="{B74A6EA0-8BE5-4ABA-9143-0DE8762A1979}" type="datetimeFigureOut">
               <a:rPr lang="zh-CN" altLang="en-US" smtClean="0"/>
               <a:t>2024/3/10</a:t>
             </a:fld>
@@ -1144,7 +1144,7 @@
           <p:cNvPr id="5" name="页脚占位符 4">
             <a:extLst>
               <a:ext uri="{FF2B5EF4-FFF2-40B4-BE49-F238E27FC236}">
-                <a16:creationId xmlns:a16="http://schemas.microsoft.com/office/drawing/2014/main" id="{9D7AC302-4AFF-1582-6DF4-5176948FA809}"/>
+                <a16:creationId xmlns:a16="http://schemas.microsoft.com/office/drawing/2014/main" id="{A8329A37-0E2B-E3DE-08D9-6BB5369D12FE}"/>
               </a:ext>
             </a:extLst>
           </p:cNvPr>
@@ -1169,7 +1169,7 @@
           <p:cNvPr id="6" name="灯片编号占位符 5">
             <a:extLst>
               <a:ext uri="{FF2B5EF4-FFF2-40B4-BE49-F238E27FC236}">
-                <a16:creationId xmlns:a16="http://schemas.microsoft.com/office/drawing/2014/main" id="{7D757EA8-B9B4-8FFE-9559-D37594A47CC7}"/>
+                <a16:creationId xmlns:a16="http://schemas.microsoft.com/office/drawing/2014/main" id="{CE2F81FC-224C-167D-2EBD-2BED18414EBE}"/>
               </a:ext>
             </a:extLst>
           </p:cNvPr>
@@ -1185,7 +1185,7 @@
           <a:bodyPr/>
           <a:lstStyle/>
           <a:p>
-            <a:fld id="{499A50D3-6847-40F4-9518-6FBDE849D6F0}" type="slidenum">
+            <a:fld id="{5C1649F6-475F-411B-9A98-F02DD9EAAF6A}" type="slidenum">
               <a:rPr lang="zh-CN" altLang="en-US" smtClean="0"/>
               <a:t>‹#›</a:t>
             </a:fld>
@@ -1196,7 +1196,7 @@
     </p:spTree>
     <p:extLst>
       <p:ext uri="{BB962C8B-B14F-4D97-AF65-F5344CB8AC3E}">
-        <p14:creationId xmlns:p14="http://schemas.microsoft.com/office/powerpoint/2010/main" val="2069746743"/>
+        <p14:creationId xmlns:p14="http://schemas.microsoft.com/office/powerpoint/2010/main" val="3905013322"/>
       </p:ext>
     </p:extLst>
   </p:cSld>
@@ -1228,7 +1228,7 @@
           <p:cNvPr id="2" name="标题 1">
             <a:extLst>
               <a:ext uri="{FF2B5EF4-FFF2-40B4-BE49-F238E27FC236}">
-                <a16:creationId xmlns:a16="http://schemas.microsoft.com/office/drawing/2014/main" id="{E7B32BF8-D1F0-00A5-2F75-AFFB6777EE59}"/>
+                <a16:creationId xmlns:a16="http://schemas.microsoft.com/office/drawing/2014/main" id="{F143E5D7-7059-02BB-C9C6-61762399E0E9}"/>
               </a:ext>
             </a:extLst>
           </p:cNvPr>
@@ -1256,7 +1256,7 @@
           <p:cNvPr id="3" name="内容占位符 2">
             <a:extLst>
               <a:ext uri="{FF2B5EF4-FFF2-40B4-BE49-F238E27FC236}">
-                <a16:creationId xmlns:a16="http://schemas.microsoft.com/office/drawing/2014/main" id="{9310C748-5F2F-B2DF-41ED-8515FDE949FF}"/>
+                <a16:creationId xmlns:a16="http://schemas.microsoft.com/office/drawing/2014/main" id="{8A495999-5C8D-5BEB-C514-C2DF34B5EA4B}"/>
               </a:ext>
             </a:extLst>
           </p:cNvPr>
@@ -1318,7 +1318,7 @@
           <p:cNvPr id="4" name="内容占位符 3">
             <a:extLst>
               <a:ext uri="{FF2B5EF4-FFF2-40B4-BE49-F238E27FC236}">
-                <a16:creationId xmlns:a16="http://schemas.microsoft.com/office/drawing/2014/main" id="{54F792C9-DA56-4408-4396-09C12B5B7D54}"/>
+                <a16:creationId xmlns:a16="http://schemas.microsoft.com/office/drawing/2014/main" id="{58F1C467-319C-AC33-2FB2-E2B5566394D0}"/>
               </a:ext>
             </a:extLst>
           </p:cNvPr>
@@ -1380,7 +1380,7 @@
           <p:cNvPr id="5" name="日期占位符 4">
             <a:extLst>
               <a:ext uri="{FF2B5EF4-FFF2-40B4-BE49-F238E27FC236}">
-                <a16:creationId xmlns:a16="http://schemas.microsoft.com/office/drawing/2014/main" id="{E84D7ABD-F92F-2221-6B8B-DE78660BB9E1}"/>
+                <a16:creationId xmlns:a16="http://schemas.microsoft.com/office/drawing/2014/main" id="{E3ED7256-C42F-F710-C19C-AA5284819772}"/>
               </a:ext>
             </a:extLst>
           </p:cNvPr>
@@ -1396,7 +1396,7 @@
           <a:bodyPr/>
           <a:lstStyle/>
           <a:p>
-            <a:fld id="{C88AC6CE-A182-4073-A6E3-221A6811D6FA}" type="datetimeFigureOut">
+            <a:fld id="{B74A6EA0-8BE5-4ABA-9143-0DE8762A1979}" type="datetimeFigureOut">
               <a:rPr lang="zh-CN" altLang="en-US" smtClean="0"/>
               <a:t>2024/3/10</a:t>
             </a:fld>
@@ -1409,7 +1409,7 @@
           <p:cNvPr id="6" name="页脚占位符 5">
             <a:extLst>
               <a:ext uri="{FF2B5EF4-FFF2-40B4-BE49-F238E27FC236}">
-                <a16:creationId xmlns:a16="http://schemas.microsoft.com/office/drawing/2014/main" id="{DA2D336D-BC89-588B-F124-B59F0448F11A}"/>
+                <a16:creationId xmlns:a16="http://schemas.microsoft.com/office/drawing/2014/main" id="{C101D9D7-E26A-97F8-4806-A867A257495B}"/>
               </a:ext>
             </a:extLst>
           </p:cNvPr>
@@ -1434,7 +1434,7 @@
           <p:cNvPr id="7" name="灯片编号占位符 6">
             <a:extLst>
               <a:ext uri="{FF2B5EF4-FFF2-40B4-BE49-F238E27FC236}">
-                <a16:creationId xmlns:a16="http://schemas.microsoft.com/office/drawing/2014/main" id="{CA4EC9FB-E996-42C4-80BD-F1257459A9C1}"/>
+                <a16:creationId xmlns:a16="http://schemas.microsoft.com/office/drawing/2014/main" id="{83BA05A0-7906-5558-3C58-444111E04071}"/>
               </a:ext>
             </a:extLst>
           </p:cNvPr>
@@ -1450,7 +1450,7 @@
           <a:bodyPr/>
           <a:lstStyle/>
           <a:p>
-            <a:fld id="{499A50D3-6847-40F4-9518-6FBDE849D6F0}" type="slidenum">
+            <a:fld id="{5C1649F6-475F-411B-9A98-F02DD9EAAF6A}" type="slidenum">
               <a:rPr lang="zh-CN" altLang="en-US" smtClean="0"/>
               <a:t>‹#›</a:t>
             </a:fld>
@@ -1461,7 +1461,7 @@
     </p:spTree>
     <p:extLst>
       <p:ext uri="{BB962C8B-B14F-4D97-AF65-F5344CB8AC3E}">
-        <p14:creationId xmlns:p14="http://schemas.microsoft.com/office/powerpoint/2010/main" val="3869770697"/>
+        <p14:creationId xmlns:p14="http://schemas.microsoft.com/office/powerpoint/2010/main" val="2016453639"/>
       </p:ext>
     </p:extLst>
   </p:cSld>
@@ -1493,7 +1493,7 @@
           <p:cNvPr id="2" name="标题 1">
             <a:extLst>
               <a:ext uri="{FF2B5EF4-FFF2-40B4-BE49-F238E27FC236}">
-                <a16:creationId xmlns:a16="http://schemas.microsoft.com/office/drawing/2014/main" id="{371BB46F-6D4D-369A-D5F0-12FAF6849B34}"/>
+                <a16:creationId xmlns:a16="http://schemas.microsoft.com/office/drawing/2014/main" id="{D348EF0D-35D7-312F-F680-2622F6837E84}"/>
               </a:ext>
             </a:extLst>
           </p:cNvPr>
@@ -1526,7 +1526,7 @@
           <p:cNvPr id="3" name="文本占位符 2">
             <a:extLst>
               <a:ext uri="{FF2B5EF4-FFF2-40B4-BE49-F238E27FC236}">
-                <a16:creationId xmlns:a16="http://schemas.microsoft.com/office/drawing/2014/main" id="{6A513FDC-91AC-2913-EEF0-B3DFBA7619D8}"/>
+                <a16:creationId xmlns:a16="http://schemas.microsoft.com/office/drawing/2014/main" id="{071997DA-22B6-4AFC-51CE-363C80B8FEAB}"/>
               </a:ext>
             </a:extLst>
           </p:cNvPr>
@@ -1597,7 +1597,7 @@
           <p:cNvPr id="4" name="内容占位符 3">
             <a:extLst>
               <a:ext uri="{FF2B5EF4-FFF2-40B4-BE49-F238E27FC236}">
-                <a16:creationId xmlns:a16="http://schemas.microsoft.com/office/drawing/2014/main" id="{BCE298BA-3E69-CB8F-A564-6A3E63C2D248}"/>
+                <a16:creationId xmlns:a16="http://schemas.microsoft.com/office/drawing/2014/main" id="{F8D8A0D3-BB64-1FAF-3409-5392B4A651F0}"/>
               </a:ext>
             </a:extLst>
           </p:cNvPr>
@@ -1659,7 +1659,7 @@
           <p:cNvPr id="5" name="文本占位符 4">
             <a:extLst>
               <a:ext uri="{FF2B5EF4-FFF2-40B4-BE49-F238E27FC236}">
-                <a16:creationId xmlns:a16="http://schemas.microsoft.com/office/drawing/2014/main" id="{93FC61EE-37AD-58FF-0DC5-33FBFD29CBF0}"/>
+                <a16:creationId xmlns:a16="http://schemas.microsoft.com/office/drawing/2014/main" id="{04206FB7-E89D-D57E-E6A6-229C12E6C267}"/>
               </a:ext>
             </a:extLst>
           </p:cNvPr>
@@ -1730,7 +1730,7 @@
           <p:cNvPr id="6" name="内容占位符 5">
             <a:extLst>
               <a:ext uri="{FF2B5EF4-FFF2-40B4-BE49-F238E27FC236}">
-                <a16:creationId xmlns:a16="http://schemas.microsoft.com/office/drawing/2014/main" id="{B2203C10-9758-4F57-59E2-D9567F967017}"/>
+                <a16:creationId xmlns:a16="http://schemas.microsoft.com/office/drawing/2014/main" id="{A6982A85-CC89-A448-0501-E9A6C250D31D}"/>
               </a:ext>
             </a:extLst>
           </p:cNvPr>
@@ -1792,7 +1792,7 @@
           <p:cNvPr id="7" name="日期占位符 6">
             <a:extLst>
               <a:ext uri="{FF2B5EF4-FFF2-40B4-BE49-F238E27FC236}">
-                <a16:creationId xmlns:a16="http://schemas.microsoft.com/office/drawing/2014/main" id="{D64D70D6-5F9B-A18F-4936-EBE75A751602}"/>
+                <a16:creationId xmlns:a16="http://schemas.microsoft.com/office/drawing/2014/main" id="{BF8C2289-FF76-9219-BCCF-5E52533B23D1}"/>
               </a:ext>
             </a:extLst>
           </p:cNvPr>
@@ -1808,7 +1808,7 @@
           <a:bodyPr/>
           <a:lstStyle/>
           <a:p>
-            <a:fld id="{C88AC6CE-A182-4073-A6E3-221A6811D6FA}" type="datetimeFigureOut">
+            <a:fld id="{B74A6EA0-8BE5-4ABA-9143-0DE8762A1979}" type="datetimeFigureOut">
               <a:rPr lang="zh-CN" altLang="en-US" smtClean="0"/>
               <a:t>2024/3/10</a:t>
             </a:fld>
@@ -1821,7 +1821,7 @@
           <p:cNvPr id="8" name="页脚占位符 7">
             <a:extLst>
               <a:ext uri="{FF2B5EF4-FFF2-40B4-BE49-F238E27FC236}">
-                <a16:creationId xmlns:a16="http://schemas.microsoft.com/office/drawing/2014/main" id="{F164E0D1-0106-8EEB-FE9E-64E96DC0DA79}"/>
+                <a16:creationId xmlns:a16="http://schemas.microsoft.com/office/drawing/2014/main" id="{9BC61256-3E15-06CD-F292-840E04E44B74}"/>
               </a:ext>
             </a:extLst>
           </p:cNvPr>
@@ -1846,7 +1846,7 @@
           <p:cNvPr id="9" name="灯片编号占位符 8">
             <a:extLst>
               <a:ext uri="{FF2B5EF4-FFF2-40B4-BE49-F238E27FC236}">
-                <a16:creationId xmlns:a16="http://schemas.microsoft.com/office/drawing/2014/main" id="{8FF10F6D-8C09-FB29-2192-3FA830A49D14}"/>
+                <a16:creationId xmlns:a16="http://schemas.microsoft.com/office/drawing/2014/main" id="{C2FF2DAC-B320-0DC9-872D-EEC06F318496}"/>
               </a:ext>
             </a:extLst>
           </p:cNvPr>
@@ -1862,7 +1862,7 @@
           <a:bodyPr/>
           <a:lstStyle/>
           <a:p>
-            <a:fld id="{499A50D3-6847-40F4-9518-6FBDE849D6F0}" type="slidenum">
+            <a:fld id="{5C1649F6-475F-411B-9A98-F02DD9EAAF6A}" type="slidenum">
               <a:rPr lang="zh-CN" altLang="en-US" smtClean="0"/>
               <a:t>‹#›</a:t>
             </a:fld>
@@ -1873,7 +1873,7 @@
     </p:spTree>
     <p:extLst>
       <p:ext uri="{BB962C8B-B14F-4D97-AF65-F5344CB8AC3E}">
-        <p14:creationId xmlns:p14="http://schemas.microsoft.com/office/powerpoint/2010/main" val="129787841"/>
+        <p14:creationId xmlns:p14="http://schemas.microsoft.com/office/powerpoint/2010/main" val="293525621"/>
       </p:ext>
     </p:extLst>
   </p:cSld>
@@ -1905,7 +1905,7 @@
           <p:cNvPr id="2" name="标题 1">
             <a:extLst>
               <a:ext uri="{FF2B5EF4-FFF2-40B4-BE49-F238E27FC236}">
-                <a16:creationId xmlns:a16="http://schemas.microsoft.com/office/drawing/2014/main" id="{DD542CC3-4839-98BC-96C0-9065A3A68A7D}"/>
+                <a16:creationId xmlns:a16="http://schemas.microsoft.com/office/drawing/2014/main" id="{9CCF4E24-5D89-6398-163C-641FCCB6D6E1}"/>
               </a:ext>
             </a:extLst>
           </p:cNvPr>
@@ -1933,7 +1933,7 @@
           <p:cNvPr id="3" name="日期占位符 2">
             <a:extLst>
               <a:ext uri="{FF2B5EF4-FFF2-40B4-BE49-F238E27FC236}">
-                <a16:creationId xmlns:a16="http://schemas.microsoft.com/office/drawing/2014/main" id="{9D62F583-6DDA-73A4-8C75-9ED53E1E9653}"/>
+                <a16:creationId xmlns:a16="http://schemas.microsoft.com/office/drawing/2014/main" id="{2305D554-BCA6-089D-2751-03E990CCA903}"/>
               </a:ext>
             </a:extLst>
           </p:cNvPr>
@@ -1949,7 +1949,7 @@
           <a:bodyPr/>
           <a:lstStyle/>
           <a:p>
-            <a:fld id="{C88AC6CE-A182-4073-A6E3-221A6811D6FA}" type="datetimeFigureOut">
+            <a:fld id="{B74A6EA0-8BE5-4ABA-9143-0DE8762A1979}" type="datetimeFigureOut">
               <a:rPr lang="zh-CN" altLang="en-US" smtClean="0"/>
               <a:t>2024/3/10</a:t>
             </a:fld>
@@ -1962,7 +1962,7 @@
           <p:cNvPr id="4" name="页脚占位符 3">
             <a:extLst>
               <a:ext uri="{FF2B5EF4-FFF2-40B4-BE49-F238E27FC236}">
-                <a16:creationId xmlns:a16="http://schemas.microsoft.com/office/drawing/2014/main" id="{B7B027EA-B761-EBAB-D31A-00CD2FB38702}"/>
+                <a16:creationId xmlns:a16="http://schemas.microsoft.com/office/drawing/2014/main" id="{C4B65064-FEA8-924B-7942-C8D2609EC2C1}"/>
               </a:ext>
             </a:extLst>
           </p:cNvPr>
@@ -1987,7 +1987,7 @@
           <p:cNvPr id="5" name="灯片编号占位符 4">
             <a:extLst>
               <a:ext uri="{FF2B5EF4-FFF2-40B4-BE49-F238E27FC236}">
-                <a16:creationId xmlns:a16="http://schemas.microsoft.com/office/drawing/2014/main" id="{9494B9A3-B950-B2C5-E573-E0C3A7A19AE1}"/>
+                <a16:creationId xmlns:a16="http://schemas.microsoft.com/office/drawing/2014/main" id="{C9A5F191-B1BF-19E7-97B2-1B89B30737AC}"/>
               </a:ext>
             </a:extLst>
           </p:cNvPr>
@@ -2003,7 +2003,7 @@
           <a:bodyPr/>
           <a:lstStyle/>
           <a:p>
-            <a:fld id="{499A50D3-6847-40F4-9518-6FBDE849D6F0}" type="slidenum">
+            <a:fld id="{5C1649F6-475F-411B-9A98-F02DD9EAAF6A}" type="slidenum">
               <a:rPr lang="zh-CN" altLang="en-US" smtClean="0"/>
               <a:t>‹#›</a:t>
             </a:fld>
@@ -2014,7 +2014,7 @@
     </p:spTree>
     <p:extLst>
       <p:ext uri="{BB962C8B-B14F-4D97-AF65-F5344CB8AC3E}">
-        <p14:creationId xmlns:p14="http://schemas.microsoft.com/office/powerpoint/2010/main" val="3339576310"/>
+        <p14:creationId xmlns:p14="http://schemas.microsoft.com/office/powerpoint/2010/main" val="2391997651"/>
       </p:ext>
     </p:extLst>
   </p:cSld>
@@ -2046,7 +2046,7 @@
           <p:cNvPr id="2" name="日期占位符 1">
             <a:extLst>
               <a:ext uri="{FF2B5EF4-FFF2-40B4-BE49-F238E27FC236}">
-                <a16:creationId xmlns:a16="http://schemas.microsoft.com/office/drawing/2014/main" id="{2B62653E-2663-9304-B3A9-E0D1F7A6776F}"/>
+                <a16:creationId xmlns:a16="http://schemas.microsoft.com/office/drawing/2014/main" id="{0FD96C28-23DA-9DBE-260D-E3B5C9726BD9}"/>
               </a:ext>
             </a:extLst>
           </p:cNvPr>
@@ -2062,7 +2062,7 @@
           <a:bodyPr/>
           <a:lstStyle/>
           <a:p>
-            <a:fld id="{C88AC6CE-A182-4073-A6E3-221A6811D6FA}" type="datetimeFigureOut">
+            <a:fld id="{B74A6EA0-8BE5-4ABA-9143-0DE8762A1979}" type="datetimeFigureOut">
               <a:rPr lang="zh-CN" altLang="en-US" smtClean="0"/>
               <a:t>2024/3/10</a:t>
             </a:fld>
@@ -2075,7 +2075,7 @@
           <p:cNvPr id="3" name="页脚占位符 2">
             <a:extLst>
               <a:ext uri="{FF2B5EF4-FFF2-40B4-BE49-F238E27FC236}">
-                <a16:creationId xmlns:a16="http://schemas.microsoft.com/office/drawing/2014/main" id="{E2F9E832-4B5C-4594-1FEC-EB4A918402A3}"/>
+                <a16:creationId xmlns:a16="http://schemas.microsoft.com/office/drawing/2014/main" id="{0CB55AB1-DC52-1261-B229-E40976C92E35}"/>
               </a:ext>
             </a:extLst>
           </p:cNvPr>
@@ -2100,7 +2100,7 @@
           <p:cNvPr id="4" name="灯片编号占位符 3">
             <a:extLst>
               <a:ext uri="{FF2B5EF4-FFF2-40B4-BE49-F238E27FC236}">
-                <a16:creationId xmlns:a16="http://schemas.microsoft.com/office/drawing/2014/main" id="{98825B5F-8F24-3807-A71C-6AD9F9E0E302}"/>
+                <a16:creationId xmlns:a16="http://schemas.microsoft.com/office/drawing/2014/main" id="{3DEDD147-B984-6E29-068D-E70002A152EF}"/>
               </a:ext>
             </a:extLst>
           </p:cNvPr>
@@ -2116,7 +2116,7 @@
           <a:bodyPr/>
           <a:lstStyle/>
           <a:p>
-            <a:fld id="{499A50D3-6847-40F4-9518-6FBDE849D6F0}" type="slidenum">
+            <a:fld id="{5C1649F6-475F-411B-9A98-F02DD9EAAF6A}" type="slidenum">
               <a:rPr lang="zh-CN" altLang="en-US" smtClean="0"/>
               <a:t>‹#›</a:t>
             </a:fld>
@@ -2127,7 +2127,7 @@
     </p:spTree>
     <p:extLst>
       <p:ext uri="{BB962C8B-B14F-4D97-AF65-F5344CB8AC3E}">
-        <p14:creationId xmlns:p14="http://schemas.microsoft.com/office/powerpoint/2010/main" val="466315319"/>
+        <p14:creationId xmlns:p14="http://schemas.microsoft.com/office/powerpoint/2010/main" val="2388751335"/>
       </p:ext>
     </p:extLst>
   </p:cSld>
@@ -2159,7 +2159,7 @@
           <p:cNvPr id="2" name="标题 1">
             <a:extLst>
               <a:ext uri="{FF2B5EF4-FFF2-40B4-BE49-F238E27FC236}">
-                <a16:creationId xmlns:a16="http://schemas.microsoft.com/office/drawing/2014/main" id="{400DCF05-0C0D-7B80-42CF-8C5AB0C2C29C}"/>
+                <a16:creationId xmlns:a16="http://schemas.microsoft.com/office/drawing/2014/main" id="{B0AB526C-A340-1F0F-74BF-539A04CB73F5}"/>
               </a:ext>
             </a:extLst>
           </p:cNvPr>
@@ -2196,7 +2196,7 @@
           <p:cNvPr id="3" name="内容占位符 2">
             <a:extLst>
               <a:ext uri="{FF2B5EF4-FFF2-40B4-BE49-F238E27FC236}">
-                <a16:creationId xmlns:a16="http://schemas.microsoft.com/office/drawing/2014/main" id="{25920BA1-94C5-DA85-CC7E-F42FFC40F2F8}"/>
+                <a16:creationId xmlns:a16="http://schemas.microsoft.com/office/drawing/2014/main" id="{8736E3C0-F881-6882-AA89-A41BBA4DFF11}"/>
               </a:ext>
             </a:extLst>
           </p:cNvPr>
@@ -2286,7 +2286,7 @@
           <p:cNvPr id="4" name="文本占位符 3">
             <a:extLst>
               <a:ext uri="{FF2B5EF4-FFF2-40B4-BE49-F238E27FC236}">
-                <a16:creationId xmlns:a16="http://schemas.microsoft.com/office/drawing/2014/main" id="{AE14BC42-242E-CD95-08A7-D3AEC6AF5DE1}"/>
+                <a16:creationId xmlns:a16="http://schemas.microsoft.com/office/drawing/2014/main" id="{3018F7B4-852C-2DA5-71C8-7EF951229981}"/>
               </a:ext>
             </a:extLst>
           </p:cNvPr>
@@ -2357,7 +2357,7 @@
           <p:cNvPr id="5" name="日期占位符 4">
             <a:extLst>
               <a:ext uri="{FF2B5EF4-FFF2-40B4-BE49-F238E27FC236}">
-                <a16:creationId xmlns:a16="http://schemas.microsoft.com/office/drawing/2014/main" id="{4A78D8CD-DB6E-38B9-0C69-E10CB2A6123B}"/>
+                <a16:creationId xmlns:a16="http://schemas.microsoft.com/office/drawing/2014/main" id="{70F4FD5D-A722-F489-91CB-8F1633BB9EBF}"/>
               </a:ext>
             </a:extLst>
           </p:cNvPr>
@@ -2373,7 +2373,7 @@
           <a:bodyPr/>
           <a:lstStyle/>
           <a:p>
-            <a:fld id="{C88AC6CE-A182-4073-A6E3-221A6811D6FA}" type="datetimeFigureOut">
+            <a:fld id="{B74A6EA0-8BE5-4ABA-9143-0DE8762A1979}" type="datetimeFigureOut">
               <a:rPr lang="zh-CN" altLang="en-US" smtClean="0"/>
               <a:t>2024/3/10</a:t>
             </a:fld>
@@ -2386,7 +2386,7 @@
           <p:cNvPr id="6" name="页脚占位符 5">
             <a:extLst>
               <a:ext uri="{FF2B5EF4-FFF2-40B4-BE49-F238E27FC236}">
-                <a16:creationId xmlns:a16="http://schemas.microsoft.com/office/drawing/2014/main" id="{040BE41E-EA17-FB77-AD79-646EC8EEB093}"/>
+                <a16:creationId xmlns:a16="http://schemas.microsoft.com/office/drawing/2014/main" id="{5D8B9279-F2DC-4463-D084-B1557AE93BED}"/>
               </a:ext>
             </a:extLst>
           </p:cNvPr>
@@ -2411,7 +2411,7 @@
           <p:cNvPr id="7" name="灯片编号占位符 6">
             <a:extLst>
               <a:ext uri="{FF2B5EF4-FFF2-40B4-BE49-F238E27FC236}">
-                <a16:creationId xmlns:a16="http://schemas.microsoft.com/office/drawing/2014/main" id="{EE20C2F7-8FBB-F774-1D24-DD932235C8AB}"/>
+                <a16:creationId xmlns:a16="http://schemas.microsoft.com/office/drawing/2014/main" id="{E146511E-66B9-5738-D6BD-AE82DE8ADE4A}"/>
               </a:ext>
             </a:extLst>
           </p:cNvPr>
@@ -2427,7 +2427,7 @@
           <a:bodyPr/>
           <a:lstStyle/>
           <a:p>
-            <a:fld id="{499A50D3-6847-40F4-9518-6FBDE849D6F0}" type="slidenum">
+            <a:fld id="{5C1649F6-475F-411B-9A98-F02DD9EAAF6A}" type="slidenum">
               <a:rPr lang="zh-CN" altLang="en-US" smtClean="0"/>
               <a:t>‹#›</a:t>
             </a:fld>
@@ -2438,7 +2438,7 @@
     </p:spTree>
     <p:extLst>
       <p:ext uri="{BB962C8B-B14F-4D97-AF65-F5344CB8AC3E}">
-        <p14:creationId xmlns:p14="http://schemas.microsoft.com/office/powerpoint/2010/main" val="4037231094"/>
+        <p14:creationId xmlns:p14="http://schemas.microsoft.com/office/powerpoint/2010/main" val="287188261"/>
       </p:ext>
     </p:extLst>
   </p:cSld>
@@ -2470,7 +2470,7 @@
           <p:cNvPr id="2" name="标题 1">
             <a:extLst>
               <a:ext uri="{FF2B5EF4-FFF2-40B4-BE49-F238E27FC236}">
-                <a16:creationId xmlns:a16="http://schemas.microsoft.com/office/drawing/2014/main" id="{DA8C54FD-3210-6ECE-514D-B86447922C5B}"/>
+                <a16:creationId xmlns:a16="http://schemas.microsoft.com/office/drawing/2014/main" id="{C286970E-74CB-9DA8-FB1A-0B053B6988B1}"/>
               </a:ext>
             </a:extLst>
           </p:cNvPr>
@@ -2507,7 +2507,7 @@
           <p:cNvPr id="3" name="图片占位符 2">
             <a:extLst>
               <a:ext uri="{FF2B5EF4-FFF2-40B4-BE49-F238E27FC236}">
-                <a16:creationId xmlns:a16="http://schemas.microsoft.com/office/drawing/2014/main" id="{08E26EE1-40C4-6F68-61C2-07190D2B561E}"/>
+                <a16:creationId xmlns:a16="http://schemas.microsoft.com/office/drawing/2014/main" id="{48A93543-ECCB-BD2D-0C5F-53A60275FCD3}"/>
               </a:ext>
             </a:extLst>
           </p:cNvPr>
@@ -2574,7 +2574,7 @@
           <p:cNvPr id="4" name="文本占位符 3">
             <a:extLst>
               <a:ext uri="{FF2B5EF4-FFF2-40B4-BE49-F238E27FC236}">
-                <a16:creationId xmlns:a16="http://schemas.microsoft.com/office/drawing/2014/main" id="{12EEE196-798C-9B2C-0924-EBD2A7D0EB0D}"/>
+                <a16:creationId xmlns:a16="http://schemas.microsoft.com/office/drawing/2014/main" id="{FD7B60B6-7B85-CD75-34FD-82270393942D}"/>
               </a:ext>
             </a:extLst>
           </p:cNvPr>
@@ -2645,7 +2645,7 @@
           <p:cNvPr id="5" name="日期占位符 4">
             <a:extLst>
               <a:ext uri="{FF2B5EF4-FFF2-40B4-BE49-F238E27FC236}">
-                <a16:creationId xmlns:a16="http://schemas.microsoft.com/office/drawing/2014/main" id="{6B57DF87-E63C-10A2-8EE0-A1A0CAB0CA18}"/>
+                <a16:creationId xmlns:a16="http://schemas.microsoft.com/office/drawing/2014/main" id="{9B11E94E-ED07-6653-8A56-15CF11547BFF}"/>
               </a:ext>
             </a:extLst>
           </p:cNvPr>
@@ -2661,7 +2661,7 @@
           <a:bodyPr/>
           <a:lstStyle/>
           <a:p>
-            <a:fld id="{C88AC6CE-A182-4073-A6E3-221A6811D6FA}" type="datetimeFigureOut">
+            <a:fld id="{B74A6EA0-8BE5-4ABA-9143-0DE8762A1979}" type="datetimeFigureOut">
               <a:rPr lang="zh-CN" altLang="en-US" smtClean="0"/>
               <a:t>2024/3/10</a:t>
             </a:fld>
@@ -2674,7 +2674,7 @@
           <p:cNvPr id="6" name="页脚占位符 5">
             <a:extLst>
               <a:ext uri="{FF2B5EF4-FFF2-40B4-BE49-F238E27FC236}">
-                <a16:creationId xmlns:a16="http://schemas.microsoft.com/office/drawing/2014/main" id="{84E34415-6C2D-1C37-920B-31CE3375EBA4}"/>
+                <a16:creationId xmlns:a16="http://schemas.microsoft.com/office/drawing/2014/main" id="{82B2370E-D12B-1193-2F03-3CE8186E8E69}"/>
               </a:ext>
             </a:extLst>
           </p:cNvPr>
@@ -2699,7 +2699,7 @@
           <p:cNvPr id="7" name="灯片编号占位符 6">
             <a:extLst>
               <a:ext uri="{FF2B5EF4-FFF2-40B4-BE49-F238E27FC236}">
-                <a16:creationId xmlns:a16="http://schemas.microsoft.com/office/drawing/2014/main" id="{7D545D69-12D2-385B-03F4-2F6CB09CEEE1}"/>
+                <a16:creationId xmlns:a16="http://schemas.microsoft.com/office/drawing/2014/main" id="{2D84AD78-5994-8ED2-4BDD-A16708B91C76}"/>
               </a:ext>
             </a:extLst>
           </p:cNvPr>
@@ -2715,7 +2715,7 @@
           <a:bodyPr/>
           <a:lstStyle/>
           <a:p>
-            <a:fld id="{499A50D3-6847-40F4-9518-6FBDE849D6F0}" type="slidenum">
+            <a:fld id="{5C1649F6-475F-411B-9A98-F02DD9EAAF6A}" type="slidenum">
               <a:rPr lang="zh-CN" altLang="en-US" smtClean="0"/>
               <a:t>‹#›</a:t>
             </a:fld>
@@ -2726,7 +2726,7 @@
     </p:spTree>
     <p:extLst>
       <p:ext uri="{BB962C8B-B14F-4D97-AF65-F5344CB8AC3E}">
-        <p14:creationId xmlns:p14="http://schemas.microsoft.com/office/powerpoint/2010/main" val="1353389410"/>
+        <p14:creationId xmlns:p14="http://schemas.microsoft.com/office/powerpoint/2010/main" val="3590679377"/>
       </p:ext>
     </p:extLst>
   </p:cSld>
@@ -2763,7 +2763,7 @@
           <p:cNvPr id="2" name="标题占位符 1">
             <a:extLst>
               <a:ext uri="{FF2B5EF4-FFF2-40B4-BE49-F238E27FC236}">
-                <a16:creationId xmlns:a16="http://schemas.microsoft.com/office/drawing/2014/main" id="{4B5FA4CA-67A6-EBF4-9AB8-4AF8ACE84170}"/>
+                <a16:creationId xmlns:a16="http://schemas.microsoft.com/office/drawing/2014/main" id="{7DBF1B9D-C8A4-4C77-1051-86D7510944EA}"/>
               </a:ext>
             </a:extLst>
           </p:cNvPr>
@@ -2801,7 +2801,7 @@
           <p:cNvPr id="3" name="文本占位符 2">
             <a:extLst>
               <a:ext uri="{FF2B5EF4-FFF2-40B4-BE49-F238E27FC236}">
-                <a16:creationId xmlns:a16="http://schemas.microsoft.com/office/drawing/2014/main" id="{E8B5E2E9-0AD0-D19E-1FF8-1F89C50E02E9}"/>
+                <a16:creationId xmlns:a16="http://schemas.microsoft.com/office/drawing/2014/main" id="{EA184FF6-270F-AEA5-1B36-9E9D6215B78F}"/>
               </a:ext>
             </a:extLst>
           </p:cNvPr>
@@ -2868,7 +2868,7 @@
           <p:cNvPr id="4" name="日期占位符 3">
             <a:extLst>
               <a:ext uri="{FF2B5EF4-FFF2-40B4-BE49-F238E27FC236}">
-                <a16:creationId xmlns:a16="http://schemas.microsoft.com/office/drawing/2014/main" id="{33452FC3-60DF-2A3B-28C2-766A94FFB1BF}"/>
+                <a16:creationId xmlns:a16="http://schemas.microsoft.com/office/drawing/2014/main" id="{E3A047C8-FD4F-99A2-F039-BA3849498519}"/>
               </a:ext>
             </a:extLst>
           </p:cNvPr>
@@ -2902,7 +2902,7 @@
             </a:lvl1pPr>
           </a:lstStyle>
           <a:p>
-            <a:fld id="{C88AC6CE-A182-4073-A6E3-221A6811D6FA}" type="datetimeFigureOut">
+            <a:fld id="{B74A6EA0-8BE5-4ABA-9143-0DE8762A1979}" type="datetimeFigureOut">
               <a:rPr lang="zh-CN" altLang="en-US" smtClean="0"/>
               <a:t>2024/3/10</a:t>
             </a:fld>
@@ -2915,7 +2915,7 @@
           <p:cNvPr id="5" name="页脚占位符 4">
             <a:extLst>
               <a:ext uri="{FF2B5EF4-FFF2-40B4-BE49-F238E27FC236}">
-                <a16:creationId xmlns:a16="http://schemas.microsoft.com/office/drawing/2014/main" id="{627071E2-3BB0-66CA-82B9-EB3B893FC495}"/>
+                <a16:creationId xmlns:a16="http://schemas.microsoft.com/office/drawing/2014/main" id="{C6F1622D-1A2F-E113-EF22-24EAE5BE7035}"/>
               </a:ext>
             </a:extLst>
           </p:cNvPr>
@@ -2958,7 +2958,7 @@
           <p:cNvPr id="6" name="灯片编号占位符 5">
             <a:extLst>
               <a:ext uri="{FF2B5EF4-FFF2-40B4-BE49-F238E27FC236}">
-                <a16:creationId xmlns:a16="http://schemas.microsoft.com/office/drawing/2014/main" id="{591A963C-3659-D190-16F9-7FF01B1CD9C3}"/>
+                <a16:creationId xmlns:a16="http://schemas.microsoft.com/office/drawing/2014/main" id="{BE5AE0B8-B82D-3ADD-D928-654BCC9E2FAF}"/>
               </a:ext>
             </a:extLst>
           </p:cNvPr>
@@ -2992,7 +2992,7 @@
             </a:lvl1pPr>
           </a:lstStyle>
           <a:p>
-            <a:fld id="{499A50D3-6847-40F4-9518-6FBDE849D6F0}" type="slidenum">
+            <a:fld id="{5C1649F6-475F-411B-9A98-F02DD9EAAF6A}" type="slidenum">
               <a:rPr lang="zh-CN" altLang="en-US" smtClean="0"/>
               <a:t>‹#›</a:t>
             </a:fld>
@@ -3003,7 +3003,7 @@
     </p:spTree>
     <p:extLst>
       <p:ext uri="{BB962C8B-B14F-4D97-AF65-F5344CB8AC3E}">
-        <p14:creationId xmlns:p14="http://schemas.microsoft.com/office/powerpoint/2010/main" val="143262582"/>
+        <p14:creationId xmlns:p14="http://schemas.microsoft.com/office/powerpoint/2010/main" val="3852681410"/>
       </p:ext>
     </p:extLst>
   </p:cSld>
